--- a/Day 7/Slides/7. IDE Integration/ide-integration-slides.pptx
+++ b/Day 7/Slides/7. IDE Integration/ide-integration-slides.pptx
@@ -5,19 +5,19 @@
     <p:sldMasterId id="2147483648" r:id="rId1"/>
   </p:sldMasterIdLst>
   <p:notesMasterIdLst>
-    <p:notesMasterId r:id="rId13"/>
+    <p:notesMasterId r:id="rId12"/>
   </p:notesMasterIdLst>
   <p:sldIdLst>
-    <p:sldId id="256" r:id="rId3"/>
-    <p:sldId id="257" r:id="rId4"/>
-    <p:sldId id="258" r:id="rId5"/>
-    <p:sldId id="259" r:id="rId6"/>
-    <p:sldId id="260" r:id="rId7"/>
-    <p:sldId id="261" r:id="rId8"/>
-    <p:sldId id="262" r:id="rId9"/>
-    <p:sldId id="263" r:id="rId10"/>
-    <p:sldId id="264" r:id="rId11"/>
-    <p:sldId id="265" r:id="rId12"/>
+    <p:sldId id="256" r:id="rId2"/>
+    <p:sldId id="257" r:id="rId3"/>
+    <p:sldId id="258" r:id="rId4"/>
+    <p:sldId id="259" r:id="rId5"/>
+    <p:sldId id="260" r:id="rId6"/>
+    <p:sldId id="261" r:id="rId7"/>
+    <p:sldId id="262" r:id="rId8"/>
+    <p:sldId id="263" r:id="rId9"/>
+    <p:sldId id="264" r:id="rId10"/>
+    <p:sldId id="265" r:id="rId11"/>
   </p:sldIdLst>
   <p:sldSz cx="16256000" cy="9144000"/>
   <p:notesSz cx="16256000" cy="9144000"/>
@@ -113,6 +113,22 @@
       </a:defRPr>
     </a:lvl9pPr>
   </p:defaultTextStyle>
+  <p:extLst>
+    <p:ext uri="{EFAFB233-063F-42B5-8137-9DF3F51BA10A}">
+      <p15:sldGuideLst xmlns:p15="http://schemas.microsoft.com/office/powerpoint/2012/main">
+        <p15:guide id="1" orient="horz" pos="2880">
+          <p15:clr>
+            <a:srgbClr val="A4A3A4"/>
+          </p15:clr>
+        </p15:guide>
+        <p15:guide id="2" pos="2160">
+          <p15:clr>
+            <a:srgbClr val="A4A3A4"/>
+          </p15:clr>
+        </p15:guide>
+      </p15:sldGuideLst>
+    </p:ext>
+  </p:extLst>
 </p:presentation>
 </file>
 
@@ -198,6 +214,7 @@
           <a:p>
             <a:fld id="{3EFD42F7-718C-4B98-AAEC-167E6DDD60A7}" type="datetimeFigureOut">
               <a:rPr lang="en-US" smtClean="0"/>
+              <a:t>8/16/2023</a:t>
             </a:fld>
             <a:endParaRPr lang="en-US"/>
           </a:p>
@@ -261,42 +278,37 @@
           <a:p>
             <a:pPr lvl="0"/>
             <a:r>
-              <a:rPr lang="en-US" smtClean="0"/>
+              <a:rPr lang="en-US"/>
               <a:t>Click to edit Master text styles</a:t>
             </a:r>
-            <a:endParaRPr lang="en-US" smtClean="0"/>
           </a:p>
           <a:p>
             <a:pPr lvl="1"/>
             <a:r>
-              <a:rPr lang="en-US" smtClean="0"/>
+              <a:rPr lang="en-US"/>
               <a:t>Second level</a:t>
             </a:r>
-            <a:endParaRPr lang="en-US" smtClean="0"/>
           </a:p>
           <a:p>
             <a:pPr lvl="2"/>
             <a:r>
-              <a:rPr lang="en-US" smtClean="0"/>
+              <a:rPr lang="en-US"/>
               <a:t>Third level</a:t>
             </a:r>
-            <a:endParaRPr lang="en-US" smtClean="0"/>
           </a:p>
           <a:p>
             <a:pPr lvl="3"/>
             <a:r>
-              <a:rPr lang="en-US" smtClean="0"/>
+              <a:rPr lang="en-US"/>
               <a:t>Fourth level</a:t>
             </a:r>
-            <a:endParaRPr lang="en-US" smtClean="0"/>
           </a:p>
           <a:p>
             <a:pPr lvl="4"/>
             <a:r>
-              <a:rPr lang="en-US" smtClean="0"/>
+              <a:rPr lang="en-US"/>
               <a:t>Fifth level</a:t>
             </a:r>
-            <a:endParaRPr lang="en-US"/>
           </a:p>
         </p:txBody>
       </p:sp>
@@ -360,6 +372,7 @@
           <a:p>
             <a:fld id="{21B2AA4F-B828-4D7C-AFD3-893933DAFCB4}" type="slidenum">
               <a:rPr lang="en-US" smtClean="0"/>
+              <a:t>‹#›</a:t>
             </a:fld>
             <a:endParaRPr lang="en-US"/>
           </a:p>
@@ -464,7 +477,7 @@
 </file>
 
 <file path=ppt/slideLayouts/slideLayout1.xml><?xml version="1.0" encoding="utf-8"?>
-<p:sldLayout xmlns:a="http://schemas.openxmlformats.org/drawingml/2006/main" xmlns:r="http://schemas.openxmlformats.org/officeDocument/2006/relationships" xmlns:p="http://schemas.openxmlformats.org/presentationml/2006/main" type="obj" preserve="1" showMasterSp="0">
+<p:sldLayout xmlns:a="http://schemas.openxmlformats.org/drawingml/2006/main" xmlns:r="http://schemas.openxmlformats.org/officeDocument/2006/relationships" xmlns:p="http://schemas.openxmlformats.org/presentationml/2006/main" showMasterSp="0" type="obj" preserve="1">
   <p:cSld name="Title Slide">
     <p:bg>
       <p:bgPr>
@@ -542,7 +555,9 @@
               </a:defRPr>
             </a:lvl1pPr>
           </a:lstStyle>
-          <a:p/>
+          <a:p>
+            <a:endParaRPr/>
+          </a:p>
         </p:txBody>
       </p:sp>
       <p:sp>
@@ -573,7 +588,9 @@
               <a:defRPr/>
             </a:lvl1pPr>
           </a:lstStyle>
-          <a:p/>
+          <a:p>
+            <a:endParaRPr/>
+          </a:p>
         </p:txBody>
       </p:sp>
       <p:sp>
@@ -600,7 +617,9 @@
               </a:defRPr>
             </a:lvl1pPr>
           </a:lstStyle>
-          <a:p/>
+          <a:p>
+            <a:endParaRPr/>
+          </a:p>
         </p:txBody>
       </p:sp>
       <p:sp>
@@ -630,6 +649,7 @@
           <a:p>
             <a:fld id="{1D8BD707-D9CF-40AE-B4C6-C98DA3205C09}" type="datetimeFigureOut">
               <a:rPr lang="en-US"/>
+              <a:t>8/16/2023</a:t>
             </a:fld>
             <a:endParaRPr lang="en-US"/>
           </a:p>
@@ -662,6 +682,7 @@
           <a:p>
             <a:fld id="{B6F15528-21DE-4FAA-801E-634DDDAF4B2B}" type="slidenum">
               <a:rPr/>
+              <a:t>‹#›</a:t>
             </a:fld>
             <a:endParaRPr/>
           </a:p>
@@ -717,7 +738,9 @@
               </a:defRPr>
             </a:lvl1pPr>
           </a:lstStyle>
-          <a:p/>
+          <a:p>
+            <a:endParaRPr/>
+          </a:p>
         </p:txBody>
       </p:sp>
       <p:sp>
@@ -738,7 +761,9 @@
               <a:defRPr/>
             </a:lvl1pPr>
           </a:lstStyle>
-          <a:p/>
+          <a:p>
+            <a:endParaRPr/>
+          </a:p>
         </p:txBody>
       </p:sp>
       <p:sp>
@@ -765,7 +790,9 @@
               </a:defRPr>
             </a:lvl1pPr>
           </a:lstStyle>
-          <a:p/>
+          <a:p>
+            <a:endParaRPr/>
+          </a:p>
         </p:txBody>
       </p:sp>
       <p:sp>
@@ -795,6 +822,7 @@
           <a:p>
             <a:fld id="{1D8BD707-D9CF-40AE-B4C6-C98DA3205C09}" type="datetimeFigureOut">
               <a:rPr lang="en-US"/>
+              <a:t>8/16/2023</a:t>
             </a:fld>
             <a:endParaRPr lang="en-US"/>
           </a:p>
@@ -827,6 +855,7 @@
           <a:p>
             <a:fld id="{B6F15528-21DE-4FAA-801E-634DDDAF4B2B}" type="slidenum">
               <a:rPr/>
+              <a:t>‹#›</a:t>
             </a:fld>
             <a:endParaRPr/>
           </a:p>
@@ -882,7 +911,9 @@
               </a:defRPr>
             </a:lvl1pPr>
           </a:lstStyle>
-          <a:p/>
+          <a:p>
+            <a:endParaRPr/>
+          </a:p>
         </p:txBody>
       </p:sp>
       <p:sp>
@@ -913,7 +944,9 @@
               <a:defRPr/>
             </a:lvl1pPr>
           </a:lstStyle>
-          <a:p/>
+          <a:p>
+            <a:endParaRPr/>
+          </a:p>
         </p:txBody>
       </p:sp>
       <p:sp>
@@ -944,7 +977,9 @@
               <a:defRPr/>
             </a:lvl1pPr>
           </a:lstStyle>
-          <a:p/>
+          <a:p>
+            <a:endParaRPr/>
+          </a:p>
         </p:txBody>
       </p:sp>
       <p:sp>
@@ -971,7 +1006,9 @@
               </a:defRPr>
             </a:lvl1pPr>
           </a:lstStyle>
-          <a:p/>
+          <a:p>
+            <a:endParaRPr/>
+          </a:p>
         </p:txBody>
       </p:sp>
       <p:sp>
@@ -1001,6 +1038,7 @@
           <a:p>
             <a:fld id="{1D8BD707-D9CF-40AE-B4C6-C98DA3205C09}" type="datetimeFigureOut">
               <a:rPr lang="en-US"/>
+              <a:t>8/16/2023</a:t>
             </a:fld>
             <a:endParaRPr lang="en-US"/>
           </a:p>
@@ -1033,6 +1071,7 @@
           <a:p>
             <a:fld id="{B6F15528-21DE-4FAA-801E-634DDDAF4B2B}" type="slidenum">
               <a:rPr/>
+              <a:t>‹#›</a:t>
             </a:fld>
             <a:endParaRPr/>
           </a:p>
@@ -1048,7 +1087,7 @@
 </file>
 
 <file path=ppt/slideLayouts/slideLayout4.xml><?xml version="1.0" encoding="utf-8"?>
-<p:sldLayout xmlns:a="http://schemas.openxmlformats.org/drawingml/2006/main" xmlns:r="http://schemas.openxmlformats.org/officeDocument/2006/relationships" xmlns:p="http://schemas.openxmlformats.org/presentationml/2006/main" type="obj" preserve="1" showMasterSp="0">
+<p:sldLayout xmlns:a="http://schemas.openxmlformats.org/drawingml/2006/main" xmlns:r="http://schemas.openxmlformats.org/officeDocument/2006/relationships" xmlns:p="http://schemas.openxmlformats.org/presentationml/2006/main" showMasterSp="0" type="obj" preserve="1">
   <p:cSld name="Title Only">
     <p:bg>
       <p:bgPr>
@@ -1109,7 +1148,9 @@
         <p:txBody>
           <a:bodyPr wrap="square" lIns="0" tIns="0" rIns="0" bIns="0" rtlCol="0"/>
           <a:lstStyle/>
-          <a:p/>
+          <a:p>
+            <a:endParaRPr/>
+          </a:p>
         </p:txBody>
       </p:sp>
       <p:sp>
@@ -1136,7 +1177,9 @@
               </a:defRPr>
             </a:lvl1pPr>
           </a:lstStyle>
-          <a:p/>
+          <a:p>
+            <a:endParaRPr/>
+          </a:p>
         </p:txBody>
       </p:sp>
       <p:sp>
@@ -1163,7 +1206,9 @@
               </a:defRPr>
             </a:lvl1pPr>
           </a:lstStyle>
-          <a:p/>
+          <a:p>
+            <a:endParaRPr/>
+          </a:p>
         </p:txBody>
       </p:sp>
       <p:sp>
@@ -1193,6 +1238,7 @@
           <a:p>
             <a:fld id="{1D8BD707-D9CF-40AE-B4C6-C98DA3205C09}" type="datetimeFigureOut">
               <a:rPr lang="en-US"/>
+              <a:t>8/16/2023</a:t>
             </a:fld>
             <a:endParaRPr lang="en-US"/>
           </a:p>
@@ -1225,6 +1271,7 @@
           <a:p>
             <a:fld id="{B6F15528-21DE-4FAA-801E-634DDDAF4B2B}" type="slidenum">
               <a:rPr/>
+              <a:t>‹#›</a:t>
             </a:fld>
             <a:endParaRPr/>
           </a:p>
@@ -1280,7 +1327,9 @@
               </a:defRPr>
             </a:lvl1pPr>
           </a:lstStyle>
-          <a:p/>
+          <a:p>
+            <a:endParaRPr/>
+          </a:p>
         </p:txBody>
       </p:sp>
       <p:sp>
@@ -1310,6 +1359,7 @@
           <a:p>
             <a:fld id="{1D8BD707-D9CF-40AE-B4C6-C98DA3205C09}" type="datetimeFigureOut">
               <a:rPr lang="en-US"/>
+              <a:t>8/16/2023</a:t>
             </a:fld>
             <a:endParaRPr lang="en-US"/>
           </a:p>
@@ -1342,6 +1392,7 @@
           <a:p>
             <a:fld id="{B6F15528-21DE-4FAA-801E-634DDDAF4B2B}" type="slidenum">
               <a:rPr/>
+              <a:t>‹#›</a:t>
             </a:fld>
             <a:endParaRPr/>
           </a:p>
@@ -1415,7 +1466,9 @@
               </a:defRPr>
             </a:lvl1pPr>
           </a:lstStyle>
-          <a:p/>
+          <a:p>
+            <a:endParaRPr/>
+          </a:p>
         </p:txBody>
       </p:sp>
       <p:sp>
@@ -1446,7 +1499,9 @@
               <a:defRPr/>
             </a:lvl1pPr>
           </a:lstStyle>
-          <a:p/>
+          <a:p>
+            <a:endParaRPr/>
+          </a:p>
         </p:txBody>
       </p:sp>
       <p:sp>
@@ -1483,7 +1538,9 @@
               </a:defRPr>
             </a:lvl1pPr>
           </a:lstStyle>
-          <a:p/>
+          <a:p>
+            <a:endParaRPr/>
+          </a:p>
         </p:txBody>
       </p:sp>
       <p:sp>
@@ -1523,6 +1580,7 @@
           <a:p>
             <a:fld id="{1D8BD707-D9CF-40AE-B4C6-C98DA3205C09}" type="datetimeFigureOut">
               <a:rPr lang="en-US"/>
+              <a:t>8/16/2023</a:t>
             </a:fld>
             <a:endParaRPr lang="en-US"/>
           </a:p>
@@ -1565,6 +1623,7 @@
           <a:p>
             <a:fld id="{B6F15528-21DE-4FAA-801E-634DDDAF4B2B}" type="slidenum">
               <a:rPr/>
+              <a:t>‹#›</a:t>
             </a:fld>
             <a:endParaRPr/>
           </a:p>
@@ -1749,7 +1808,7 @@
           <p:nvPr/>
         </p:nvPicPr>
         <p:blipFill>
-          <a:blip r:embed="rId1" cstate="print"/>
+          <a:blip r:embed="rId2" cstate="print"/>
           <a:stretch>
             <a:fillRect/>
           </a:stretch>
@@ -1886,9 +1945,11 @@
         <p:spPr/>
         <p:txBody>
           <a:bodyPr/>
+          <a:lstStyle/>
           <a:p>
             <a:fld id="{B6F15528-21DE-4FAA-801E-634DDDAF4B2B}" type="slidenum">
               <a:rPr/>
+              <a:t>1</a:t>
             </a:fld>
             <a:endParaRPr/>
           </a:p>
@@ -2119,9 +2180,11 @@
         <p:spPr/>
         <p:txBody>
           <a:bodyPr/>
+          <a:lstStyle/>
           <a:p>
             <a:fld id="{B6F15528-21DE-4FAA-801E-634DDDAF4B2B}" type="slidenum">
               <a:rPr/>
+              <a:t>10</a:t>
             </a:fld>
             <a:endParaRPr/>
           </a:p>
@@ -2189,7 +2252,6 @@
               <a:rPr spc="-25" dirty="0"/>
               <a:t>Outline</a:t>
             </a:r>
-            <a:endParaRPr spc="-25" dirty="0"/>
           </a:p>
         </p:txBody>
       </p:sp>
@@ -2650,9 +2712,11 @@
         <p:spPr/>
         <p:txBody>
           <a:bodyPr/>
+          <a:lstStyle/>
           <a:p>
             <a:fld id="{B6F15528-21DE-4FAA-801E-634DDDAF4B2B}" type="slidenum">
               <a:rPr/>
+              <a:t>2</a:t>
             </a:fld>
             <a:endParaRPr/>
           </a:p>
@@ -2720,7 +2784,9 @@
         <p:txBody>
           <a:bodyPr wrap="square" lIns="0" tIns="0" rIns="0" bIns="0" rtlCol="0"/>
           <a:lstStyle/>
-          <a:p/>
+          <a:p>
+            <a:endParaRPr/>
+          </a:p>
         </p:txBody>
       </p:sp>
       <p:sp>
@@ -2887,7 +2953,7 @@
         <p:spPr>
           <a:xfrm>
             <a:off x="7226300" y="3479800"/>
-            <a:ext cx="5084445" cy="2875280"/>
+            <a:ext cx="5084445" cy="2895664"/>
           </a:xfrm>
           <a:prstGeom prst="rect">
             <a:avLst/>
@@ -2956,7 +3022,7 @@
               </a:rPr>
               <a:t>installation</a:t>
             </a:r>
-            <a:endParaRPr sz="3200">
+            <a:endParaRPr sz="3200" dirty="0">
               <a:latin typeface="Verdana" panose="020B0604030504040204"/>
               <a:cs typeface="Verdana" panose="020B0604030504040204"/>
             </a:endParaRPr>
@@ -2999,13 +3065,13 @@
               <a:t> </a:t>
             </a:r>
             <a:r>
-              <a:rPr sz="3200" spc="-95" dirty="0">
-                <a:latin typeface="Verdana" panose="020B0604030504040204"/>
-                <a:cs typeface="Verdana" panose="020B0604030504040204"/>
-              </a:rPr>
-              <a:t>STS</a:t>
-            </a:r>
-            <a:endParaRPr sz="3200">
+              <a:rPr lang="en-US" sz="3200" spc="-95" dirty="0">
+                <a:latin typeface="Verdana" panose="020B0604030504040204"/>
+                <a:cs typeface="Verdana" panose="020B0604030504040204"/>
+              </a:rPr>
+              <a:t>Eclipse</a:t>
+            </a:r>
+            <a:endParaRPr sz="3200" dirty="0">
               <a:latin typeface="Verdana" panose="020B0604030504040204"/>
               <a:cs typeface="Verdana" panose="020B0604030504040204"/>
             </a:endParaRPr>
@@ -3020,7 +3086,7 @@
               </a:spcBef>
             </a:pPr>
             <a:r>
-              <a:rPr sz="3200" u="sng" spc="-15" dirty="0">
+              <a:rPr lang="en-US" sz="3200" u="sng" spc="-15" dirty="0">
                 <a:uFill>
                   <a:solidFill>
                     <a:srgbClr val="000000"/>
@@ -3029,9 +3095,9 @@
                 <a:latin typeface="Verdana" panose="020B0604030504040204"/>
                 <a:cs typeface="Verdana" panose="020B0604030504040204"/>
               </a:rPr>
-              <a:t>https://spring.io/tools</a:t>
-            </a:r>
-            <a:endParaRPr sz="3200">
+              <a:t>https://www.eclipse.org</a:t>
+            </a:r>
+            <a:endParaRPr sz="3200" dirty="0">
               <a:latin typeface="Verdana" panose="020B0604030504040204"/>
               <a:cs typeface="Verdana" panose="020B0604030504040204"/>
             </a:endParaRPr>
@@ -3051,9 +3117,11 @@
         <p:spPr/>
         <p:txBody>
           <a:bodyPr/>
+          <a:lstStyle/>
           <a:p>
             <a:fld id="{B6F15528-21DE-4FAA-801E-634DDDAF4B2B}" type="slidenum">
               <a:rPr/>
+              <a:t>3</a:t>
             </a:fld>
             <a:endParaRPr/>
           </a:p>
@@ -3249,7 +3317,7 @@
           <p:nvPr/>
         </p:nvPicPr>
         <p:blipFill>
-          <a:blip r:embed="rId1" cstate="print"/>
+          <a:blip r:embed="rId2" cstate="print"/>
           <a:stretch>
             <a:fillRect/>
           </a:stretch>
@@ -3277,9 +3345,11 @@
         <p:spPr/>
         <p:txBody>
           <a:bodyPr/>
+          <a:lstStyle/>
           <a:p>
             <a:fld id="{B6F15528-21DE-4FAA-801E-634DDDAF4B2B}" type="slidenum">
               <a:rPr/>
+              <a:t>4</a:t>
             </a:fld>
             <a:endParaRPr/>
           </a:p>
@@ -3537,9 +3607,11 @@
         <p:spPr/>
         <p:txBody>
           <a:bodyPr/>
+          <a:lstStyle/>
           <a:p>
             <a:fld id="{B6F15528-21DE-4FAA-801E-634DDDAF4B2B}" type="slidenum">
               <a:rPr/>
+              <a:t>5</a:t>
             </a:fld>
             <a:endParaRPr/>
           </a:p>
@@ -3607,7 +3679,9 @@
         <p:txBody>
           <a:bodyPr wrap="square" lIns="0" tIns="0" rIns="0" bIns="0" rtlCol="0"/>
           <a:lstStyle/>
-          <a:p/>
+          <a:p>
+            <a:endParaRPr/>
+          </a:p>
         </p:txBody>
       </p:sp>
       <p:sp>
@@ -3801,11 +3875,6 @@
               </a:rPr>
               <a:t>Viewer</a:t>
             </a:r>
-            <a:endParaRPr spc="-30" dirty="0">
-              <a:solidFill>
-                <a:srgbClr val="000000"/>
-              </a:solidFill>
-            </a:endParaRPr>
           </a:p>
         </p:txBody>
       </p:sp>
@@ -3816,7 +3885,7 @@
           <p:nvPr/>
         </p:nvPicPr>
         <p:blipFill>
-          <a:blip r:embed="rId1" cstate="print"/>
+          <a:blip r:embed="rId2" cstate="print"/>
           <a:stretch>
             <a:fillRect/>
           </a:stretch>
@@ -3844,9 +3913,11 @@
         <p:spPr/>
         <p:txBody>
           <a:bodyPr/>
+          <a:lstStyle/>
           <a:p>
             <a:fld id="{B6F15528-21DE-4FAA-801E-634DDDAF4B2B}" type="slidenum">
               <a:rPr/>
+              <a:t>6</a:t>
             </a:fld>
             <a:endParaRPr/>
           </a:p>
@@ -4096,9 +4167,11 @@
         <p:spPr/>
         <p:txBody>
           <a:bodyPr/>
+          <a:lstStyle/>
           <a:p>
             <a:fld id="{B6F15528-21DE-4FAA-801E-634DDDAF4B2B}" type="slidenum">
               <a:rPr/>
+              <a:t>7</a:t>
             </a:fld>
             <a:endParaRPr/>
           </a:p>
@@ -4174,7 +4247,6 @@
               <a:rPr spc="-80" dirty="0"/>
               <a:t>Hierarchy</a:t>
             </a:r>
-            <a:endParaRPr spc="-80" dirty="0"/>
           </a:p>
         </p:txBody>
       </p:sp>
@@ -4372,7 +4444,7 @@
           <p:nvPr/>
         </p:nvPicPr>
         <p:blipFill>
-          <a:blip r:embed="rId1" cstate="print"/>
+          <a:blip r:embed="rId2" cstate="print"/>
           <a:stretch>
             <a:fillRect/>
           </a:stretch>
@@ -4400,9 +4472,11 @@
         <p:spPr/>
         <p:txBody>
           <a:bodyPr/>
+          <a:lstStyle/>
           <a:p>
             <a:fld id="{B6F15528-21DE-4FAA-801E-634DDDAF4B2B}" type="slidenum">
               <a:rPr/>
+              <a:t>8</a:t>
             </a:fld>
             <a:endParaRPr/>
           </a:p>
@@ -4474,7 +4548,6 @@
               <a:rPr spc="240" dirty="0"/>
               <a:t>POM</a:t>
             </a:r>
-            <a:endParaRPr spc="240" dirty="0"/>
           </a:p>
         </p:txBody>
       </p:sp>
@@ -4636,9 +4709,11 @@
         <p:spPr/>
         <p:txBody>
           <a:bodyPr/>
+          <a:lstStyle/>
           <a:p>
             <a:fld id="{B6F15528-21DE-4FAA-801E-634DDDAF4B2B}" type="slidenum">
               <a:rPr/>
+              <a:t>9</a:t>
             </a:fld>
             <a:endParaRPr/>
           </a:p>
@@ -4653,7 +4728,7 @@
           <p:nvPr/>
         </p:nvPicPr>
         <p:blipFill>
-          <a:blip r:embed="rId1"/>
+          <a:blip r:embed="rId2"/>
           <a:stretch>
             <a:fillRect/>
           </a:stretch>
@@ -4954,6 +5029,8 @@
       </a:bgFillStyleLst>
     </a:fmtScheme>
   </a:themeElements>
+  <a:objectDefaults/>
+  <a:extraClrSchemeLst/>
   <a:extLst>
     <a:ext uri="{05A4C25C-085E-4340-85A3-A5531E510DB2}">
       <thm15:themeFamily xmlns:thm15="http://schemas.microsoft.com/office/thememl/2012/main" name="Office Theme" id="{62F939B6-93AF-4DB8-9C6B-D6C7DFDC589F}" vid="{4A3C46E8-61CC-4603-A589-7422A47A8E4A}"/>
@@ -5213,6 +5290,8 @@
       </a:bgFillStyleLst>
     </a:fmtScheme>
   </a:themeElements>
+  <a:objectDefaults/>
+  <a:extraClrSchemeLst/>
   <a:extLst>
     <a:ext uri="{05A4C25C-085E-4340-85A3-A5531E510DB2}">
       <thm15:themeFamily xmlns:thm15="http://schemas.microsoft.com/office/thememl/2012/main" name="Office Theme" id="{62F939B6-93AF-4DB8-9C6B-D6C7DFDC589F}" vid="{4A3C46E8-61CC-4603-A589-7422A47A8E4A}"/>
